--- a/Back/spring/쇼핑몰/쇼핑몰 프로젝트_7장.pptx
+++ b/Back/spring/쇼핑몰/쇼핑몰 프로젝트_7장.pptx
@@ -10363,8 +10363,8 @@
         </p:blipFill>
         <p:spPr>
           <a:xfrm>
-            <a:off x="1310655" y="2266004"/>
-            <a:ext cx="6522690" cy="3567541"/>
+            <a:off x="200247" y="1988840"/>
+            <a:ext cx="8820908" cy="4824536"/>
           </a:xfrm>
           <a:prstGeom prst="rect">
             <a:avLst/>

--- a/Back/spring/쇼핑몰/쇼핑몰 프로젝트_7장.pptx
+++ b/Back/spring/쇼핑몰/쇼핑몰 프로젝트_7장.pptx
@@ -2563,7 +2563,7 @@
             <a:fld id="{CD7ED4FF-6B0E-42FA-A737-D604B334571E}" type="datetimeFigureOut">
               <a:rPr lang="ko-KR" altLang="en-US" smtClean="0"/>
               <a:pPr/>
-              <a:t>2023-11-23</a:t>
+              <a:t>2023-11-29</a:t>
             </a:fld>
             <a:endParaRPr lang="ko-KR" altLang="en-US"/>
           </a:p>
@@ -3093,7 +3093,7 @@
             <a:fld id="{945CA99F-7021-4A81-BE66-6CA625D4B2D7}" type="datetimeFigureOut">
               <a:rPr lang="ko-KR" altLang="en-US" smtClean="0"/>
               <a:pPr/>
-              <a:t>2023-11-23</a:t>
+              <a:t>2023-11-29</a:t>
             </a:fld>
             <a:endParaRPr lang="ko-KR" altLang="en-US"/>
           </a:p>
@@ -3263,7 +3263,7 @@
             <a:fld id="{945CA99F-7021-4A81-BE66-6CA625D4B2D7}" type="datetimeFigureOut">
               <a:rPr lang="ko-KR" altLang="en-US" smtClean="0"/>
               <a:pPr/>
-              <a:t>2023-11-23</a:t>
+              <a:t>2023-11-29</a:t>
             </a:fld>
             <a:endParaRPr lang="ko-KR" altLang="en-US"/>
           </a:p>
@@ -3443,7 +3443,7 @@
             <a:fld id="{945CA99F-7021-4A81-BE66-6CA625D4B2D7}" type="datetimeFigureOut">
               <a:rPr lang="ko-KR" altLang="en-US" smtClean="0"/>
               <a:pPr/>
-              <a:t>2023-11-23</a:t>
+              <a:t>2023-11-29</a:t>
             </a:fld>
             <a:endParaRPr lang="ko-KR" altLang="en-US"/>
           </a:p>
@@ -4004,7 +4004,7 @@
             <a:fld id="{945CA99F-7021-4A81-BE66-6CA625D4B2D7}" type="datetimeFigureOut">
               <a:rPr lang="ko-KR" altLang="en-US" smtClean="0"/>
               <a:pPr/>
-              <a:t>2023-11-23</a:t>
+              <a:t>2023-11-29</a:t>
             </a:fld>
             <a:endParaRPr lang="ko-KR" altLang="en-US"/>
           </a:p>
@@ -4291,7 +4291,7 @@
             <a:fld id="{945CA99F-7021-4A81-BE66-6CA625D4B2D7}" type="datetimeFigureOut">
               <a:rPr lang="ko-KR" altLang="en-US" smtClean="0"/>
               <a:pPr/>
-              <a:t>2023-11-23</a:t>
+              <a:t>2023-11-29</a:t>
             </a:fld>
             <a:endParaRPr lang="ko-KR" altLang="en-US"/>
           </a:p>
@@ -4712,7 +4712,7 @@
             <a:fld id="{945CA99F-7021-4A81-BE66-6CA625D4B2D7}" type="datetimeFigureOut">
               <a:rPr lang="ko-KR" altLang="en-US" smtClean="0"/>
               <a:pPr/>
-              <a:t>2023-11-23</a:t>
+              <a:t>2023-11-29</a:t>
             </a:fld>
             <a:endParaRPr lang="ko-KR" altLang="en-US"/>
           </a:p>
@@ -4831,7 +4831,7 @@
             <a:fld id="{945CA99F-7021-4A81-BE66-6CA625D4B2D7}" type="datetimeFigureOut">
               <a:rPr lang="ko-KR" altLang="en-US" smtClean="0"/>
               <a:pPr/>
-              <a:t>2023-11-23</a:t>
+              <a:t>2023-11-29</a:t>
             </a:fld>
             <a:endParaRPr lang="ko-KR" altLang="en-US"/>
           </a:p>
@@ -4928,7 +4928,7 @@
             <a:fld id="{945CA99F-7021-4A81-BE66-6CA625D4B2D7}" type="datetimeFigureOut">
               <a:rPr lang="ko-KR" altLang="en-US" smtClean="0"/>
               <a:pPr/>
-              <a:t>2023-11-23</a:t>
+              <a:t>2023-11-29</a:t>
             </a:fld>
             <a:endParaRPr lang="ko-KR" altLang="en-US"/>
           </a:p>
@@ -5205,7 +5205,7 @@
             <a:fld id="{945CA99F-7021-4A81-BE66-6CA625D4B2D7}" type="datetimeFigureOut">
               <a:rPr lang="ko-KR" altLang="en-US" smtClean="0"/>
               <a:pPr/>
-              <a:t>2023-11-23</a:t>
+              <a:t>2023-11-29</a:t>
             </a:fld>
             <a:endParaRPr lang="ko-KR" altLang="en-US"/>
           </a:p>
@@ -5459,7 +5459,7 @@
             <a:fld id="{945CA99F-7021-4A81-BE66-6CA625D4B2D7}" type="datetimeFigureOut">
               <a:rPr lang="ko-KR" altLang="en-US" smtClean="0"/>
               <a:pPr/>
-              <a:t>2023-11-23</a:t>
+              <a:t>2023-11-29</a:t>
             </a:fld>
             <a:endParaRPr lang="ko-KR" altLang="en-US"/>
           </a:p>
@@ -5672,7 +5672,7 @@
             <a:fld id="{945CA99F-7021-4A81-BE66-6CA625D4B2D7}" type="datetimeFigureOut">
               <a:rPr lang="ko-KR" altLang="en-US" smtClean="0"/>
               <a:pPr/>
-              <a:t>2023-11-23</a:t>
+              <a:t>2023-11-29</a:t>
             </a:fld>
             <a:endParaRPr lang="ko-KR" altLang="en-US"/>
           </a:p>
@@ -6268,8 +6268,8 @@
         </p:blipFill>
         <p:spPr>
           <a:xfrm>
-            <a:off x="539552" y="1196752"/>
-            <a:ext cx="4962669" cy="4851052"/>
+            <a:off x="539552" y="1196751"/>
+            <a:ext cx="7992888" cy="7813117"/>
           </a:xfrm>
           <a:prstGeom prst="rect">
             <a:avLst/>
@@ -6433,7 +6433,7 @@
         <p:grpSpPr>
           <a:xfrm>
             <a:off x="611560" y="1124744"/>
-            <a:ext cx="4248472" cy="5061321"/>
+            <a:ext cx="7272808" cy="7992888"/>
             <a:chOff x="611561" y="908720"/>
             <a:chExt cx="4248472" cy="5061321"/>
           </a:xfrm>
@@ -7219,7 +7219,7 @@
         <p:spPr>
           <a:xfrm>
             <a:off x="323528" y="1628800"/>
-            <a:ext cx="5485028" cy="4702392"/>
+            <a:ext cx="8208912" cy="7037616"/>
           </a:xfrm>
           <a:prstGeom prst="rect">
             <a:avLst/>
@@ -7936,7 +7936,7 @@
         <p:grpSpPr>
           <a:xfrm>
             <a:off x="179512" y="908720"/>
-            <a:ext cx="5375247" cy="5269073"/>
+            <a:ext cx="8712968" cy="7776864"/>
             <a:chOff x="179512" y="908720"/>
             <a:chExt cx="5375247" cy="5269073"/>
           </a:xfrm>
@@ -13844,7 +13844,7 @@
         <p:grpSpPr>
           <a:xfrm>
             <a:off x="496000" y="1556792"/>
-            <a:ext cx="4580055" cy="4752528"/>
+            <a:ext cx="7676400" cy="7560840"/>
             <a:chOff x="683568" y="1556792"/>
             <a:chExt cx="5328592" cy="5141618"/>
           </a:xfrm>
@@ -14197,7 +14197,7 @@
         <p:grpSpPr>
           <a:xfrm>
             <a:off x="496000" y="1556792"/>
-            <a:ext cx="4580055" cy="4752528"/>
+            <a:ext cx="7852489" cy="7704856"/>
             <a:chOff x="683568" y="1556792"/>
             <a:chExt cx="5328592" cy="5141618"/>
           </a:xfrm>
@@ -14334,7 +14334,7 @@
         <p:grpSpPr>
           <a:xfrm>
             <a:off x="395536" y="980728"/>
-            <a:ext cx="3629236" cy="5375498"/>
+            <a:ext cx="7128792" cy="8424936"/>
             <a:chOff x="438708" y="968256"/>
             <a:chExt cx="4363670" cy="5964034"/>
           </a:xfrm>
@@ -14681,7 +14681,7 @@
         <p:spPr>
           <a:xfrm>
             <a:off x="539552" y="1268760"/>
-            <a:ext cx="5658252" cy="4676179"/>
+            <a:ext cx="8451692" cy="6984776"/>
           </a:xfrm>
           <a:prstGeom prst="rect">
             <a:avLst/>
@@ -14758,8 +14758,8 @@
         </p:nvGrpSpPr>
         <p:grpSpPr>
           <a:xfrm>
-            <a:off x="395536" y="1730435"/>
-            <a:ext cx="5753100" cy="3397130"/>
+            <a:off x="395536" y="1052736"/>
+            <a:ext cx="8352928" cy="6912768"/>
             <a:chOff x="395536" y="1268760"/>
             <a:chExt cx="5753100" cy="3397130"/>
           </a:xfrm>

--- a/Back/spring/쇼핑몰/쇼핑몰 프로젝트_7장.pptx
+++ b/Back/spring/쇼핑몰/쇼핑몰 프로젝트_7장.pptx
@@ -5,58 +5,57 @@
     <p:sldMasterId id="2147483648" r:id="rId1"/>
   </p:sldMasterIdLst>
   <p:notesMasterIdLst>
-    <p:notesMasterId r:id="rId51"/>
+    <p:notesMasterId r:id="rId50"/>
   </p:notesMasterIdLst>
   <p:sldIdLst>
     <p:sldId id="374" r:id="rId2"/>
     <p:sldId id="375" r:id="rId3"/>
     <p:sldId id="446" r:id="rId4"/>
     <p:sldId id="662" r:id="rId5"/>
-    <p:sldId id="663" r:id="rId6"/>
-    <p:sldId id="664" r:id="rId7"/>
-    <p:sldId id="665" r:id="rId8"/>
-    <p:sldId id="666" r:id="rId9"/>
-    <p:sldId id="667" r:id="rId10"/>
-    <p:sldId id="668" r:id="rId11"/>
-    <p:sldId id="669" r:id="rId12"/>
-    <p:sldId id="670" r:id="rId13"/>
-    <p:sldId id="671" r:id="rId14"/>
-    <p:sldId id="672" r:id="rId15"/>
-    <p:sldId id="673" r:id="rId16"/>
-    <p:sldId id="674" r:id="rId17"/>
-    <p:sldId id="675" r:id="rId18"/>
-    <p:sldId id="676" r:id="rId19"/>
-    <p:sldId id="677" r:id="rId20"/>
-    <p:sldId id="678" r:id="rId21"/>
-    <p:sldId id="679" r:id="rId22"/>
-    <p:sldId id="680" r:id="rId23"/>
-    <p:sldId id="681" r:id="rId24"/>
-    <p:sldId id="682" r:id="rId25"/>
-    <p:sldId id="683" r:id="rId26"/>
-    <p:sldId id="684" r:id="rId27"/>
-    <p:sldId id="685" r:id="rId28"/>
-    <p:sldId id="686" r:id="rId29"/>
-    <p:sldId id="687" r:id="rId30"/>
-    <p:sldId id="688" r:id="rId31"/>
-    <p:sldId id="689" r:id="rId32"/>
-    <p:sldId id="690" r:id="rId33"/>
-    <p:sldId id="691" r:id="rId34"/>
-    <p:sldId id="692" r:id="rId35"/>
-    <p:sldId id="693" r:id="rId36"/>
-    <p:sldId id="694" r:id="rId37"/>
-    <p:sldId id="695" r:id="rId38"/>
-    <p:sldId id="696" r:id="rId39"/>
-    <p:sldId id="697" r:id="rId40"/>
-    <p:sldId id="698" r:id="rId41"/>
-    <p:sldId id="699" r:id="rId42"/>
-    <p:sldId id="700" r:id="rId43"/>
-    <p:sldId id="701" r:id="rId44"/>
-    <p:sldId id="702" r:id="rId45"/>
-    <p:sldId id="703" r:id="rId46"/>
-    <p:sldId id="704" r:id="rId47"/>
-    <p:sldId id="705" r:id="rId48"/>
-    <p:sldId id="706" r:id="rId49"/>
-    <p:sldId id="312" r:id="rId50"/>
+    <p:sldId id="664" r:id="rId6"/>
+    <p:sldId id="665" r:id="rId7"/>
+    <p:sldId id="666" r:id="rId8"/>
+    <p:sldId id="667" r:id="rId9"/>
+    <p:sldId id="668" r:id="rId10"/>
+    <p:sldId id="669" r:id="rId11"/>
+    <p:sldId id="670" r:id="rId12"/>
+    <p:sldId id="671" r:id="rId13"/>
+    <p:sldId id="672" r:id="rId14"/>
+    <p:sldId id="673" r:id="rId15"/>
+    <p:sldId id="674" r:id="rId16"/>
+    <p:sldId id="675" r:id="rId17"/>
+    <p:sldId id="676" r:id="rId18"/>
+    <p:sldId id="677" r:id="rId19"/>
+    <p:sldId id="678" r:id="rId20"/>
+    <p:sldId id="679" r:id="rId21"/>
+    <p:sldId id="680" r:id="rId22"/>
+    <p:sldId id="681" r:id="rId23"/>
+    <p:sldId id="682" r:id="rId24"/>
+    <p:sldId id="683" r:id="rId25"/>
+    <p:sldId id="684" r:id="rId26"/>
+    <p:sldId id="685" r:id="rId27"/>
+    <p:sldId id="686" r:id="rId28"/>
+    <p:sldId id="687" r:id="rId29"/>
+    <p:sldId id="688" r:id="rId30"/>
+    <p:sldId id="689" r:id="rId31"/>
+    <p:sldId id="690" r:id="rId32"/>
+    <p:sldId id="691" r:id="rId33"/>
+    <p:sldId id="692" r:id="rId34"/>
+    <p:sldId id="693" r:id="rId35"/>
+    <p:sldId id="694" r:id="rId36"/>
+    <p:sldId id="695" r:id="rId37"/>
+    <p:sldId id="696" r:id="rId38"/>
+    <p:sldId id="697" r:id="rId39"/>
+    <p:sldId id="698" r:id="rId40"/>
+    <p:sldId id="699" r:id="rId41"/>
+    <p:sldId id="700" r:id="rId42"/>
+    <p:sldId id="701" r:id="rId43"/>
+    <p:sldId id="702" r:id="rId44"/>
+    <p:sldId id="703" r:id="rId45"/>
+    <p:sldId id="704" r:id="rId46"/>
+    <p:sldId id="705" r:id="rId47"/>
+    <p:sldId id="706" r:id="rId48"/>
+    <p:sldId id="312" r:id="rId49"/>
   </p:sldIdLst>
   <p:sldSz cx="9144000" cy="6858000" type="screen4x3"/>
   <p:notesSz cx="6858000" cy="9144000"/>
@@ -2899,7 +2898,7 @@
             <a:fld id="{A0A51D67-0C14-4576-BCC5-A508196B7BB5}" type="slidenum">
               <a:rPr lang="ko-KR" altLang="en-US" smtClean="0"/>
               <a:pPr/>
-              <a:t>49</a:t>
+              <a:t>48</a:t>
             </a:fld>
             <a:endParaRPr lang="ko-KR" altLang="en-US"/>
           </a:p>
@@ -6248,92 +6247,6 @@
       </p:sp>
       <p:pic>
         <p:nvPicPr>
-          <p:cNvPr id="4" name="그림 3">
-            <a:extLst>
-              <a:ext uri="{FF2B5EF4-FFF2-40B4-BE49-F238E27FC236}">
-                <a16:creationId xmlns:a16="http://schemas.microsoft.com/office/drawing/2014/main" id="{E9D1777C-A7D7-4BE7-B6EF-78DBC1E27873}"/>
-              </a:ext>
-            </a:extLst>
-          </p:cNvPr>
-          <p:cNvPicPr>
-            <a:picLocks noChangeAspect="1"/>
-          </p:cNvPicPr>
-          <p:nvPr/>
-        </p:nvPicPr>
-        <p:blipFill>
-          <a:blip r:embed="rId2"/>
-          <a:stretch>
-            <a:fillRect/>
-          </a:stretch>
-        </p:blipFill>
-        <p:spPr>
-          <a:xfrm>
-            <a:off x="539552" y="1196751"/>
-            <a:ext cx="7992888" cy="7813117"/>
-          </a:xfrm>
-          <a:prstGeom prst="rect">
-            <a:avLst/>
-          </a:prstGeom>
-        </p:spPr>
-      </p:pic>
-    </p:spTree>
-    <p:extLst>
-      <p:ext uri="{BB962C8B-B14F-4D97-AF65-F5344CB8AC3E}">
-        <p14:creationId xmlns:p14="http://schemas.microsoft.com/office/powerpoint/2010/main" val="2555294627"/>
-      </p:ext>
-    </p:extLst>
-  </p:cSld>
-  <p:clrMapOvr>
-    <a:masterClrMapping/>
-  </p:clrMapOvr>
-</p:sld>
-</file>
-
-<file path=ppt/slides/slide11.xml><?xml version="1.0" encoding="utf-8"?>
-<p:sld xmlns:a="http://schemas.openxmlformats.org/drawingml/2006/main" xmlns:r="http://schemas.openxmlformats.org/officeDocument/2006/relationships" xmlns:p="http://schemas.openxmlformats.org/presentationml/2006/main">
-  <p:cSld>
-    <p:spTree>
-      <p:nvGrpSpPr>
-        <p:cNvPr id="1" name=""/>
-        <p:cNvGrpSpPr/>
-        <p:nvPr/>
-      </p:nvGrpSpPr>
-      <p:grpSpPr>
-        <a:xfrm>
-          <a:off x="0" y="0"/>
-          <a:ext cx="0" cy="0"/>
-          <a:chOff x="0" y="0"/>
-          <a:chExt cx="0" cy="0"/>
-        </a:xfrm>
-      </p:grpSpPr>
-      <p:sp>
-        <p:nvSpPr>
-          <p:cNvPr id="2" name="제목 1"/>
-          <p:cNvSpPr>
-            <a:spLocks noGrp="1"/>
-          </p:cNvSpPr>
-          <p:nvPr>
-            <p:ph type="title"/>
-          </p:nvPr>
-        </p:nvSpPr>
-        <p:spPr/>
-        <p:txBody>
-          <a:bodyPr/>
-          <a:lstStyle/>
-          <a:p>
-            <a:r>
-              <a:rPr lang="en-US" altLang="ko-KR" dirty="0"/>
-              <a:t>7.1</a:t>
-            </a:r>
-            <a:r>
-              <a:rPr lang="ko-KR" altLang="en-US" dirty="0"/>
-              <a:t> 주문 기능 구현</a:t>
-            </a:r>
-          </a:p>
-        </p:txBody>
-      </p:sp>
-      <p:pic>
-        <p:nvPicPr>
           <p:cNvPr id="5" name="그림 4">
             <a:extLst>
               <a:ext uri="{FF2B5EF4-FFF2-40B4-BE49-F238E27FC236}">
@@ -6375,7 +6288,7 @@
 </p:sld>
 </file>
 
-<file path=ppt/slides/slide12.xml><?xml version="1.0" encoding="utf-8"?>
+<file path=ppt/slides/slide11.xml><?xml version="1.0" encoding="utf-8"?>
 <p:sld xmlns:a="http://schemas.openxmlformats.org/drawingml/2006/main" xmlns:r="http://schemas.openxmlformats.org/officeDocument/2006/relationships" xmlns:p="http://schemas.openxmlformats.org/presentationml/2006/main">
   <p:cSld>
     <p:spTree>
@@ -6512,7 +6425,7 @@
 </p:sld>
 </file>
 
-<file path=ppt/slides/slide13.xml><?xml version="1.0" encoding="utf-8"?>
+<file path=ppt/slides/slide12.xml><?xml version="1.0" encoding="utf-8"?>
 <p:sld xmlns:a="http://schemas.openxmlformats.org/drawingml/2006/main" xmlns:r="http://schemas.openxmlformats.org/officeDocument/2006/relationships" xmlns:p="http://schemas.openxmlformats.org/presentationml/2006/main">
   <p:cSld>
     <p:spTree>
@@ -6649,7 +6562,7 @@
 </p:sld>
 </file>
 
-<file path=ppt/slides/slide14.xml><?xml version="1.0" encoding="utf-8"?>
+<file path=ppt/slides/slide13.xml><?xml version="1.0" encoding="utf-8"?>
 <p:sld xmlns:a="http://schemas.openxmlformats.org/drawingml/2006/main" xmlns:r="http://schemas.openxmlformats.org/officeDocument/2006/relationships" xmlns:p="http://schemas.openxmlformats.org/presentationml/2006/main">
   <p:cSld>
     <p:spTree>
@@ -6735,7 +6648,7 @@
 </p:sld>
 </file>
 
-<file path=ppt/slides/slide15.xml><?xml version="1.0" encoding="utf-8"?>
+<file path=ppt/slides/slide14.xml><?xml version="1.0" encoding="utf-8"?>
 <p:sld xmlns:a="http://schemas.openxmlformats.org/drawingml/2006/main" xmlns:r="http://schemas.openxmlformats.org/officeDocument/2006/relationships" xmlns:p="http://schemas.openxmlformats.org/presentationml/2006/main">
   <p:cSld>
     <p:spTree>
@@ -6872,7 +6785,7 @@
 </p:sld>
 </file>
 
-<file path=ppt/slides/slide16.xml><?xml version="1.0" encoding="utf-8"?>
+<file path=ppt/slides/slide15.xml><?xml version="1.0" encoding="utf-8"?>
 <p:sld xmlns:a="http://schemas.openxmlformats.org/drawingml/2006/main" xmlns:r="http://schemas.openxmlformats.org/officeDocument/2006/relationships" xmlns:p="http://schemas.openxmlformats.org/presentationml/2006/main">
   <p:cSld>
     <p:spTree>
@@ -6958,7 +6871,7 @@
 </p:sld>
 </file>
 
-<file path=ppt/slides/slide17.xml><?xml version="1.0" encoding="utf-8"?>
+<file path=ppt/slides/slide16.xml><?xml version="1.0" encoding="utf-8"?>
 <p:sld xmlns:a="http://schemas.openxmlformats.org/drawingml/2006/main" xmlns:r="http://schemas.openxmlformats.org/officeDocument/2006/relationships" xmlns:p="http://schemas.openxmlformats.org/presentationml/2006/main">
   <p:cSld>
     <p:spTree>
@@ -7239,7 +7152,7 @@
 </p:sld>
 </file>
 
-<file path=ppt/slides/slide18.xml><?xml version="1.0" encoding="utf-8"?>
+<file path=ppt/slides/slide17.xml><?xml version="1.0" encoding="utf-8"?>
 <p:sld xmlns:a="http://schemas.openxmlformats.org/drawingml/2006/main" xmlns:r="http://schemas.openxmlformats.org/officeDocument/2006/relationships" xmlns:p="http://schemas.openxmlformats.org/presentationml/2006/main">
   <p:cSld>
     <p:spTree>
@@ -7325,7 +7238,7 @@
 </p:sld>
 </file>
 
-<file path=ppt/slides/slide19.xml><?xml version="1.0" encoding="utf-8"?>
+<file path=ppt/slides/slide18.xml><?xml version="1.0" encoding="utf-8"?>
 <p:sld xmlns:a="http://schemas.openxmlformats.org/drawingml/2006/main" xmlns:r="http://schemas.openxmlformats.org/officeDocument/2006/relationships" xmlns:p="http://schemas.openxmlformats.org/presentationml/2006/main">
   <p:cSld>
     <p:spTree>
@@ -7620,6 +7533,92 @@
 </p:sld>
 </file>
 
+<file path=ppt/slides/slide19.xml><?xml version="1.0" encoding="utf-8"?>
+<p:sld xmlns:a="http://schemas.openxmlformats.org/drawingml/2006/main" xmlns:r="http://schemas.openxmlformats.org/officeDocument/2006/relationships" xmlns:p="http://schemas.openxmlformats.org/presentationml/2006/main">
+  <p:cSld>
+    <p:spTree>
+      <p:nvGrpSpPr>
+        <p:cNvPr id="1" name=""/>
+        <p:cNvGrpSpPr/>
+        <p:nvPr/>
+      </p:nvGrpSpPr>
+      <p:grpSpPr>
+        <a:xfrm>
+          <a:off x="0" y="0"/>
+          <a:ext cx="0" cy="0"/>
+          <a:chOff x="0" y="0"/>
+          <a:chExt cx="0" cy="0"/>
+        </a:xfrm>
+      </p:grpSpPr>
+      <p:sp>
+        <p:nvSpPr>
+          <p:cNvPr id="2" name="제목 1"/>
+          <p:cNvSpPr>
+            <a:spLocks noGrp="1"/>
+          </p:cNvSpPr>
+          <p:nvPr>
+            <p:ph type="title"/>
+          </p:nvPr>
+        </p:nvSpPr>
+        <p:spPr/>
+        <p:txBody>
+          <a:bodyPr/>
+          <a:lstStyle/>
+          <a:p>
+            <a:r>
+              <a:rPr lang="en-US" altLang="ko-KR" dirty="0"/>
+              <a:t>7.1</a:t>
+            </a:r>
+            <a:r>
+              <a:rPr lang="ko-KR" altLang="en-US" dirty="0"/>
+              <a:t> 주문 기능 구현</a:t>
+            </a:r>
+          </a:p>
+        </p:txBody>
+      </p:sp>
+      <p:pic>
+        <p:nvPicPr>
+          <p:cNvPr id="4" name="그림 3">
+            <a:extLst>
+              <a:ext uri="{FF2B5EF4-FFF2-40B4-BE49-F238E27FC236}">
+                <a16:creationId xmlns:a16="http://schemas.microsoft.com/office/drawing/2014/main" id="{DA55DFDE-9197-4640-942A-BE09A3303F6F}"/>
+              </a:ext>
+            </a:extLst>
+          </p:cNvPr>
+          <p:cNvPicPr>
+            <a:picLocks noChangeAspect="1"/>
+          </p:cNvPicPr>
+          <p:nvPr/>
+        </p:nvPicPr>
+        <p:blipFill>
+          <a:blip r:embed="rId2"/>
+          <a:stretch>
+            <a:fillRect/>
+          </a:stretch>
+        </p:blipFill>
+        <p:spPr>
+          <a:xfrm>
+            <a:off x="1657350" y="2209800"/>
+            <a:ext cx="5829300" cy="2438400"/>
+          </a:xfrm>
+          <a:prstGeom prst="rect">
+            <a:avLst/>
+          </a:prstGeom>
+        </p:spPr>
+      </p:pic>
+    </p:spTree>
+    <p:extLst>
+      <p:ext uri="{BB962C8B-B14F-4D97-AF65-F5344CB8AC3E}">
+        <p14:creationId xmlns:p14="http://schemas.microsoft.com/office/powerpoint/2010/main" val="1377590741"/>
+      </p:ext>
+    </p:extLst>
+  </p:cSld>
+  <p:clrMapOvr>
+    <a:masterClrMapping/>
+  </p:clrMapOvr>
+</p:sld>
+</file>
+
 <file path=ppt/slides/slide2.xml><?xml version="1.0" encoding="utf-8"?>
 <p:sld xmlns:a="http://schemas.openxmlformats.org/drawingml/2006/main" xmlns:r="http://schemas.openxmlformats.org/officeDocument/2006/relationships" xmlns:p="http://schemas.openxmlformats.org/presentationml/2006/main">
   <p:cSld>
@@ -7793,92 +7792,6 @@
 </file>
 
 <file path=ppt/slides/slide20.xml><?xml version="1.0" encoding="utf-8"?>
-<p:sld xmlns:a="http://schemas.openxmlformats.org/drawingml/2006/main" xmlns:r="http://schemas.openxmlformats.org/officeDocument/2006/relationships" xmlns:p="http://schemas.openxmlformats.org/presentationml/2006/main">
-  <p:cSld>
-    <p:spTree>
-      <p:nvGrpSpPr>
-        <p:cNvPr id="1" name=""/>
-        <p:cNvGrpSpPr/>
-        <p:nvPr/>
-      </p:nvGrpSpPr>
-      <p:grpSpPr>
-        <a:xfrm>
-          <a:off x="0" y="0"/>
-          <a:ext cx="0" cy="0"/>
-          <a:chOff x="0" y="0"/>
-          <a:chExt cx="0" cy="0"/>
-        </a:xfrm>
-      </p:grpSpPr>
-      <p:sp>
-        <p:nvSpPr>
-          <p:cNvPr id="2" name="제목 1"/>
-          <p:cNvSpPr>
-            <a:spLocks noGrp="1"/>
-          </p:cNvSpPr>
-          <p:nvPr>
-            <p:ph type="title"/>
-          </p:nvPr>
-        </p:nvSpPr>
-        <p:spPr/>
-        <p:txBody>
-          <a:bodyPr/>
-          <a:lstStyle/>
-          <a:p>
-            <a:r>
-              <a:rPr lang="en-US" altLang="ko-KR" dirty="0"/>
-              <a:t>7.1</a:t>
-            </a:r>
-            <a:r>
-              <a:rPr lang="ko-KR" altLang="en-US" dirty="0"/>
-              <a:t> 주문 기능 구현</a:t>
-            </a:r>
-          </a:p>
-        </p:txBody>
-      </p:sp>
-      <p:pic>
-        <p:nvPicPr>
-          <p:cNvPr id="4" name="그림 3">
-            <a:extLst>
-              <a:ext uri="{FF2B5EF4-FFF2-40B4-BE49-F238E27FC236}">
-                <a16:creationId xmlns:a16="http://schemas.microsoft.com/office/drawing/2014/main" id="{DA55DFDE-9197-4640-942A-BE09A3303F6F}"/>
-              </a:ext>
-            </a:extLst>
-          </p:cNvPr>
-          <p:cNvPicPr>
-            <a:picLocks noChangeAspect="1"/>
-          </p:cNvPicPr>
-          <p:nvPr/>
-        </p:nvPicPr>
-        <p:blipFill>
-          <a:blip r:embed="rId2"/>
-          <a:stretch>
-            <a:fillRect/>
-          </a:stretch>
-        </p:blipFill>
-        <p:spPr>
-          <a:xfrm>
-            <a:off x="1657350" y="2209800"/>
-            <a:ext cx="5829300" cy="2438400"/>
-          </a:xfrm>
-          <a:prstGeom prst="rect">
-            <a:avLst/>
-          </a:prstGeom>
-        </p:spPr>
-      </p:pic>
-    </p:spTree>
-    <p:extLst>
-      <p:ext uri="{BB962C8B-B14F-4D97-AF65-F5344CB8AC3E}">
-        <p14:creationId xmlns:p14="http://schemas.microsoft.com/office/powerpoint/2010/main" val="1377590741"/>
-      </p:ext>
-    </p:extLst>
-  </p:cSld>
-  <p:clrMapOvr>
-    <a:masterClrMapping/>
-  </p:clrMapOvr>
-</p:sld>
-</file>
-
-<file path=ppt/slides/slide21.xml><?xml version="1.0" encoding="utf-8"?>
 <p:sld xmlns:a="http://schemas.openxmlformats.org/drawingml/2006/main" xmlns:r="http://schemas.openxmlformats.org/officeDocument/2006/relationships" xmlns:p="http://schemas.openxmlformats.org/presentationml/2006/main">
   <p:cSld>
     <p:spTree>
@@ -8015,7 +7928,7 @@
 </p:sld>
 </file>
 
-<file path=ppt/slides/slide22.xml><?xml version="1.0" encoding="utf-8"?>
+<file path=ppt/slides/slide21.xml><?xml version="1.0" encoding="utf-8"?>
 <p:sld xmlns:a="http://schemas.openxmlformats.org/drawingml/2006/main" xmlns:r="http://schemas.openxmlformats.org/officeDocument/2006/relationships" xmlns:p="http://schemas.openxmlformats.org/presentationml/2006/main">
   <p:cSld>
     <p:spTree>
@@ -8133,7 +8046,7 @@
         <p:grpSpPr>
           <a:xfrm>
             <a:off x="323528" y="908720"/>
-            <a:ext cx="3976420" cy="5398309"/>
+            <a:ext cx="7848872" cy="7992888"/>
             <a:chOff x="323528" y="908720"/>
             <a:chExt cx="3976420" cy="5398309"/>
           </a:xfrm>
@@ -8212,7 +8125,7 @@
 </p:sld>
 </file>
 
-<file path=ppt/slides/slide23.xml><?xml version="1.0" encoding="utf-8"?>
+<file path=ppt/slides/slide22.xml><?xml version="1.0" encoding="utf-8"?>
 <p:sld xmlns:a="http://schemas.openxmlformats.org/drawingml/2006/main" xmlns:r="http://schemas.openxmlformats.org/officeDocument/2006/relationships" xmlns:p="http://schemas.openxmlformats.org/presentationml/2006/main">
   <p:cSld>
     <p:spTree>
@@ -8464,8 +8377,8 @@
         </p:nvGrpSpPr>
         <p:grpSpPr>
           <a:xfrm>
-            <a:off x="449122" y="1412776"/>
-            <a:ext cx="4626934" cy="4521058"/>
+            <a:off x="449121" y="1412776"/>
+            <a:ext cx="7899367" cy="7272808"/>
             <a:chOff x="449122" y="1412776"/>
             <a:chExt cx="4259342" cy="4135827"/>
           </a:xfrm>
@@ -8544,7 +8457,7 @@
 </p:sld>
 </file>
 
-<file path=ppt/slides/slide24.xml><?xml version="1.0" encoding="utf-8"?>
+<file path=ppt/slides/slide23.xml><?xml version="1.0" encoding="utf-8"?>
 <p:sld xmlns:a="http://schemas.openxmlformats.org/drawingml/2006/main" xmlns:r="http://schemas.openxmlformats.org/officeDocument/2006/relationships" xmlns:p="http://schemas.openxmlformats.org/presentationml/2006/main">
   <p:cSld>
     <p:spTree>
@@ -8825,7 +8738,7 @@
 </p:sld>
 </file>
 
-<file path=ppt/slides/slide25.xml><?xml version="1.0" encoding="utf-8"?>
+<file path=ppt/slides/slide24.xml><?xml version="1.0" encoding="utf-8"?>
 <p:sld xmlns:a="http://schemas.openxmlformats.org/drawingml/2006/main" xmlns:r="http://schemas.openxmlformats.org/officeDocument/2006/relationships" xmlns:p="http://schemas.openxmlformats.org/presentationml/2006/main">
   <p:cSld>
     <p:spTree>
@@ -8962,7 +8875,7 @@
 </p:sld>
 </file>
 
-<file path=ppt/slides/slide26.xml><?xml version="1.0" encoding="utf-8"?>
+<file path=ppt/slides/slide25.xml><?xml version="1.0" encoding="utf-8"?>
 <p:sld xmlns:a="http://schemas.openxmlformats.org/drawingml/2006/main" xmlns:r="http://schemas.openxmlformats.org/officeDocument/2006/relationships" xmlns:p="http://schemas.openxmlformats.org/presentationml/2006/main">
   <p:cSld>
     <p:spTree>
@@ -9048,7 +8961,7 @@
 </p:sld>
 </file>
 
-<file path=ppt/slides/slide27.xml><?xml version="1.0" encoding="utf-8"?>
+<file path=ppt/slides/slide26.xml><?xml version="1.0" encoding="utf-8"?>
 <p:sld xmlns:a="http://schemas.openxmlformats.org/drawingml/2006/main" xmlns:r="http://schemas.openxmlformats.org/officeDocument/2006/relationships" xmlns:p="http://schemas.openxmlformats.org/presentationml/2006/main">
   <p:cSld>
     <p:spTree>
@@ -9185,7 +9098,7 @@
 </p:sld>
 </file>
 
-<file path=ppt/slides/slide28.xml><?xml version="1.0" encoding="utf-8"?>
+<file path=ppt/slides/slide27.xml><?xml version="1.0" encoding="utf-8"?>
 <p:sld xmlns:a="http://schemas.openxmlformats.org/drawingml/2006/main" xmlns:r="http://schemas.openxmlformats.org/officeDocument/2006/relationships" xmlns:p="http://schemas.openxmlformats.org/presentationml/2006/main">
   <p:cSld>
     <p:spTree>
@@ -9510,7 +9423,7 @@
 </p:sld>
 </file>
 
-<file path=ppt/slides/slide29.xml><?xml version="1.0" encoding="utf-8"?>
+<file path=ppt/slides/slide28.xml><?xml version="1.0" encoding="utf-8"?>
 <p:sld xmlns:a="http://schemas.openxmlformats.org/drawingml/2006/main" xmlns:r="http://schemas.openxmlformats.org/officeDocument/2006/relationships" xmlns:p="http://schemas.openxmlformats.org/presentationml/2006/main">
   <p:cSld>
     <p:spTree>
@@ -9587,6 +9500,92 @@
     <p:extLst>
       <p:ext uri="{BB962C8B-B14F-4D97-AF65-F5344CB8AC3E}">
         <p14:creationId xmlns:p14="http://schemas.microsoft.com/office/powerpoint/2010/main" val="305176726"/>
+      </p:ext>
+    </p:extLst>
+  </p:cSld>
+  <p:clrMapOvr>
+    <a:masterClrMapping/>
+  </p:clrMapOvr>
+</p:sld>
+</file>
+
+<file path=ppt/slides/slide29.xml><?xml version="1.0" encoding="utf-8"?>
+<p:sld xmlns:a="http://schemas.openxmlformats.org/drawingml/2006/main" xmlns:r="http://schemas.openxmlformats.org/officeDocument/2006/relationships" xmlns:p="http://schemas.openxmlformats.org/presentationml/2006/main">
+  <p:cSld>
+    <p:spTree>
+      <p:nvGrpSpPr>
+        <p:cNvPr id="1" name=""/>
+        <p:cNvGrpSpPr/>
+        <p:nvPr/>
+      </p:nvGrpSpPr>
+      <p:grpSpPr>
+        <a:xfrm>
+          <a:off x="0" y="0"/>
+          <a:ext cx="0" cy="0"/>
+          <a:chOff x="0" y="0"/>
+          <a:chExt cx="0" cy="0"/>
+        </a:xfrm>
+      </p:grpSpPr>
+      <p:sp>
+        <p:nvSpPr>
+          <p:cNvPr id="2" name="제목 1"/>
+          <p:cNvSpPr>
+            <a:spLocks noGrp="1"/>
+          </p:cNvSpPr>
+          <p:nvPr>
+            <p:ph type="title"/>
+          </p:nvPr>
+        </p:nvSpPr>
+        <p:spPr/>
+        <p:txBody>
+          <a:bodyPr/>
+          <a:lstStyle/>
+          <a:p>
+            <a:r>
+              <a:rPr lang="en-US" altLang="ko-KR" dirty="0"/>
+              <a:t>7.2</a:t>
+            </a:r>
+            <a:r>
+              <a:rPr lang="ko-KR" altLang="en-US" dirty="0"/>
+              <a:t> 주문 이력 조회</a:t>
+            </a:r>
+          </a:p>
+        </p:txBody>
+      </p:sp>
+      <p:pic>
+        <p:nvPicPr>
+          <p:cNvPr id="4" name="그림 3">
+            <a:extLst>
+              <a:ext uri="{FF2B5EF4-FFF2-40B4-BE49-F238E27FC236}">
+                <a16:creationId xmlns:a16="http://schemas.microsoft.com/office/drawing/2014/main" id="{2ACB85E8-9073-410E-8FFE-610C6E41617E}"/>
+              </a:ext>
+            </a:extLst>
+          </p:cNvPr>
+          <p:cNvPicPr>
+            <a:picLocks noChangeAspect="1"/>
+          </p:cNvPicPr>
+          <p:nvPr/>
+        </p:nvPicPr>
+        <p:blipFill>
+          <a:blip r:embed="rId2"/>
+          <a:stretch>
+            <a:fillRect/>
+          </a:stretch>
+        </p:blipFill>
+        <p:spPr>
+          <a:xfrm>
+            <a:off x="154183" y="980728"/>
+            <a:ext cx="8750186" cy="6480720"/>
+          </a:xfrm>
+          <a:prstGeom prst="rect">
+            <a:avLst/>
+          </a:prstGeom>
+        </p:spPr>
+      </p:pic>
+    </p:spTree>
+    <p:extLst>
+      <p:ext uri="{BB962C8B-B14F-4D97-AF65-F5344CB8AC3E}">
+        <p14:creationId xmlns:p14="http://schemas.microsoft.com/office/powerpoint/2010/main" val="329588963"/>
       </p:ext>
     </p:extLst>
   </p:cSld>
@@ -9727,92 +9726,6 @@
       </p:sp>
       <p:pic>
         <p:nvPicPr>
-          <p:cNvPr id="4" name="그림 3">
-            <a:extLst>
-              <a:ext uri="{FF2B5EF4-FFF2-40B4-BE49-F238E27FC236}">
-                <a16:creationId xmlns:a16="http://schemas.microsoft.com/office/drawing/2014/main" id="{2ACB85E8-9073-410E-8FFE-610C6E41617E}"/>
-              </a:ext>
-            </a:extLst>
-          </p:cNvPr>
-          <p:cNvPicPr>
-            <a:picLocks noChangeAspect="1"/>
-          </p:cNvPicPr>
-          <p:nvPr/>
-        </p:nvPicPr>
-        <p:blipFill>
-          <a:blip r:embed="rId2"/>
-          <a:stretch>
-            <a:fillRect/>
-          </a:stretch>
-        </p:blipFill>
-        <p:spPr>
-          <a:xfrm>
-            <a:off x="154183" y="980728"/>
-            <a:ext cx="8750186" cy="6480720"/>
-          </a:xfrm>
-          <a:prstGeom prst="rect">
-            <a:avLst/>
-          </a:prstGeom>
-        </p:spPr>
-      </p:pic>
-    </p:spTree>
-    <p:extLst>
-      <p:ext uri="{BB962C8B-B14F-4D97-AF65-F5344CB8AC3E}">
-        <p14:creationId xmlns:p14="http://schemas.microsoft.com/office/powerpoint/2010/main" val="329588963"/>
-      </p:ext>
-    </p:extLst>
-  </p:cSld>
-  <p:clrMapOvr>
-    <a:masterClrMapping/>
-  </p:clrMapOvr>
-</p:sld>
-</file>
-
-<file path=ppt/slides/slide31.xml><?xml version="1.0" encoding="utf-8"?>
-<p:sld xmlns:a="http://schemas.openxmlformats.org/drawingml/2006/main" xmlns:r="http://schemas.openxmlformats.org/officeDocument/2006/relationships" xmlns:p="http://schemas.openxmlformats.org/presentationml/2006/main">
-  <p:cSld>
-    <p:spTree>
-      <p:nvGrpSpPr>
-        <p:cNvPr id="1" name=""/>
-        <p:cNvGrpSpPr/>
-        <p:nvPr/>
-      </p:nvGrpSpPr>
-      <p:grpSpPr>
-        <a:xfrm>
-          <a:off x="0" y="0"/>
-          <a:ext cx="0" cy="0"/>
-          <a:chOff x="0" y="0"/>
-          <a:chExt cx="0" cy="0"/>
-        </a:xfrm>
-      </p:grpSpPr>
-      <p:sp>
-        <p:nvSpPr>
-          <p:cNvPr id="2" name="제목 1"/>
-          <p:cNvSpPr>
-            <a:spLocks noGrp="1"/>
-          </p:cNvSpPr>
-          <p:nvPr>
-            <p:ph type="title"/>
-          </p:nvPr>
-        </p:nvSpPr>
-        <p:spPr/>
-        <p:txBody>
-          <a:bodyPr/>
-          <a:lstStyle/>
-          <a:p>
-            <a:r>
-              <a:rPr lang="en-US" altLang="ko-KR" dirty="0"/>
-              <a:t>7.2</a:t>
-            </a:r>
-            <a:r>
-              <a:rPr lang="ko-KR" altLang="en-US" dirty="0"/>
-              <a:t> 주문 이력 조회</a:t>
-            </a:r>
-          </a:p>
-        </p:txBody>
-      </p:sp>
-      <p:pic>
-        <p:nvPicPr>
           <p:cNvPr id="5" name="그림 4">
             <a:extLst>
               <a:ext uri="{FF2B5EF4-FFF2-40B4-BE49-F238E27FC236}">
@@ -9854,7 +9767,7 @@
 </p:sld>
 </file>
 
-<file path=ppt/slides/slide32.xml><?xml version="1.0" encoding="utf-8"?>
+<file path=ppt/slides/slide31.xml><?xml version="1.0" encoding="utf-8"?>
 <p:sld xmlns:a="http://schemas.openxmlformats.org/drawingml/2006/main" xmlns:r="http://schemas.openxmlformats.org/officeDocument/2006/relationships" xmlns:p="http://schemas.openxmlformats.org/presentationml/2006/main">
   <p:cSld>
     <p:spTree>
@@ -9940,7 +9853,7 @@
 </p:sld>
 </file>
 
-<file path=ppt/slides/slide33.xml><?xml version="1.0" encoding="utf-8"?>
+<file path=ppt/slides/slide32.xml><?xml version="1.0" encoding="utf-8"?>
 <p:sld xmlns:a="http://schemas.openxmlformats.org/drawingml/2006/main" xmlns:r="http://schemas.openxmlformats.org/officeDocument/2006/relationships" xmlns:p="http://schemas.openxmlformats.org/presentationml/2006/main">
   <p:cSld>
     <p:spTree>
@@ -10026,7 +9939,7 @@
 </p:sld>
 </file>
 
-<file path=ppt/slides/slide34.xml><?xml version="1.0" encoding="utf-8"?>
+<file path=ppt/slides/slide33.xml><?xml version="1.0" encoding="utf-8"?>
 <p:sld xmlns:a="http://schemas.openxmlformats.org/drawingml/2006/main" xmlns:r="http://schemas.openxmlformats.org/officeDocument/2006/relationships" xmlns:p="http://schemas.openxmlformats.org/presentationml/2006/main">
   <p:cSld>
     <p:spTree>
@@ -10384,7 +10297,7 @@
 </p:sld>
 </file>
 
-<file path=ppt/slides/slide35.xml><?xml version="1.0" encoding="utf-8"?>
+<file path=ppt/slides/slide34.xml><?xml version="1.0" encoding="utf-8"?>
 <p:sld xmlns:a="http://schemas.openxmlformats.org/drawingml/2006/main" xmlns:r="http://schemas.openxmlformats.org/officeDocument/2006/relationships" xmlns:p="http://schemas.openxmlformats.org/presentationml/2006/main">
   <p:cSld>
     <p:spTree>
@@ -10742,7 +10655,7 @@
 </p:sld>
 </file>
 
-<file path=ppt/slides/slide36.xml><?xml version="1.0" encoding="utf-8"?>
+<file path=ppt/slides/slide35.xml><?xml version="1.0" encoding="utf-8"?>
 <p:sld xmlns:a="http://schemas.openxmlformats.org/drawingml/2006/main" xmlns:r="http://schemas.openxmlformats.org/officeDocument/2006/relationships" xmlns:p="http://schemas.openxmlformats.org/presentationml/2006/main">
   <p:cSld>
     <p:spTree>
@@ -11135,7 +11048,7 @@
 </p:sld>
 </file>
 
-<file path=ppt/slides/slide37.xml><?xml version="1.0" encoding="utf-8"?>
+<file path=ppt/slides/slide36.xml><?xml version="1.0" encoding="utf-8"?>
 <p:sld xmlns:a="http://schemas.openxmlformats.org/drawingml/2006/main" xmlns:r="http://schemas.openxmlformats.org/officeDocument/2006/relationships" xmlns:p="http://schemas.openxmlformats.org/presentationml/2006/main">
   <p:cSld>
     <p:spTree>
@@ -11465,7 +11378,7 @@
 </p:sld>
 </file>
 
-<file path=ppt/slides/slide38.xml><?xml version="1.0" encoding="utf-8"?>
+<file path=ppt/slides/slide37.xml><?xml version="1.0" encoding="utf-8"?>
 <p:sld xmlns:a="http://schemas.openxmlformats.org/drawingml/2006/main" xmlns:r="http://schemas.openxmlformats.org/officeDocument/2006/relationships" xmlns:p="http://schemas.openxmlformats.org/presentationml/2006/main">
   <p:cSld>
     <p:spTree>
@@ -11767,7 +11680,7 @@
 </p:sld>
 </file>
 
-<file path=ppt/slides/slide39.xml><?xml version="1.0" encoding="utf-8"?>
+<file path=ppt/slides/slide38.xml><?xml version="1.0" encoding="utf-8"?>
 <p:sld xmlns:a="http://schemas.openxmlformats.org/drawingml/2006/main" xmlns:r="http://schemas.openxmlformats.org/officeDocument/2006/relationships" xmlns:p="http://schemas.openxmlformats.org/presentationml/2006/main">
   <p:cSld>
     <p:spTree>
@@ -11853,93 +11766,7 @@
 </p:sld>
 </file>
 
-<file path=ppt/slides/slide4.xml><?xml version="1.0" encoding="utf-8"?>
-<p:sld xmlns:a="http://schemas.openxmlformats.org/drawingml/2006/main" xmlns:r="http://schemas.openxmlformats.org/officeDocument/2006/relationships" xmlns:p="http://schemas.openxmlformats.org/presentationml/2006/main">
-  <p:cSld>
-    <p:spTree>
-      <p:nvGrpSpPr>
-        <p:cNvPr id="1" name=""/>
-        <p:cNvGrpSpPr/>
-        <p:nvPr/>
-      </p:nvGrpSpPr>
-      <p:grpSpPr>
-        <a:xfrm>
-          <a:off x="0" y="0"/>
-          <a:ext cx="0" cy="0"/>
-          <a:chOff x="0" y="0"/>
-          <a:chExt cx="0" cy="0"/>
-        </a:xfrm>
-      </p:grpSpPr>
-      <p:sp>
-        <p:nvSpPr>
-          <p:cNvPr id="2" name="제목 1"/>
-          <p:cNvSpPr>
-            <a:spLocks noGrp="1"/>
-          </p:cNvSpPr>
-          <p:nvPr>
-            <p:ph type="title"/>
-          </p:nvPr>
-        </p:nvSpPr>
-        <p:spPr/>
-        <p:txBody>
-          <a:bodyPr/>
-          <a:lstStyle/>
-          <a:p>
-            <a:r>
-              <a:rPr lang="en-US" altLang="ko-KR" dirty="0"/>
-              <a:t>7.1</a:t>
-            </a:r>
-            <a:r>
-              <a:rPr lang="ko-KR" altLang="en-US" dirty="0"/>
-              <a:t> 주문 기능 구현</a:t>
-            </a:r>
-          </a:p>
-        </p:txBody>
-      </p:sp>
-      <p:pic>
-        <p:nvPicPr>
-          <p:cNvPr id="4" name="그림 3">
-            <a:extLst>
-              <a:ext uri="{FF2B5EF4-FFF2-40B4-BE49-F238E27FC236}">
-                <a16:creationId xmlns:a16="http://schemas.microsoft.com/office/drawing/2014/main" id="{C5482FB9-DB69-49D7-9356-F6AA91C0C671}"/>
-              </a:ext>
-            </a:extLst>
-          </p:cNvPr>
-          <p:cNvPicPr>
-            <a:picLocks noChangeAspect="1"/>
-          </p:cNvPicPr>
-          <p:nvPr/>
-        </p:nvPicPr>
-        <p:blipFill>
-          <a:blip r:embed="rId2"/>
-          <a:stretch>
-            <a:fillRect/>
-          </a:stretch>
-        </p:blipFill>
-        <p:spPr>
-          <a:xfrm>
-            <a:off x="467544" y="980728"/>
-            <a:ext cx="5544616" cy="5440141"/>
-          </a:xfrm>
-          <a:prstGeom prst="rect">
-            <a:avLst/>
-          </a:prstGeom>
-        </p:spPr>
-      </p:pic>
-    </p:spTree>
-    <p:extLst>
-      <p:ext uri="{BB962C8B-B14F-4D97-AF65-F5344CB8AC3E}">
-        <p14:creationId xmlns:p14="http://schemas.microsoft.com/office/powerpoint/2010/main" val="1938232875"/>
-      </p:ext>
-    </p:extLst>
-  </p:cSld>
-  <p:clrMapOvr>
-    <a:masterClrMapping/>
-  </p:clrMapOvr>
-</p:sld>
-</file>
-
-<file path=ppt/slides/slide40.xml><?xml version="1.0" encoding="utf-8"?>
+<file path=ppt/slides/slide39.xml><?xml version="1.0" encoding="utf-8"?>
 <p:sld xmlns:a="http://schemas.openxmlformats.org/drawingml/2006/main" xmlns:r="http://schemas.openxmlformats.org/officeDocument/2006/relationships" xmlns:p="http://schemas.openxmlformats.org/presentationml/2006/main">
   <p:cSld>
     <p:spTree>
@@ -12076,7 +11903,93 @@
 </p:sld>
 </file>
 
-<file path=ppt/slides/slide41.xml><?xml version="1.0" encoding="utf-8"?>
+<file path=ppt/slides/slide4.xml><?xml version="1.0" encoding="utf-8"?>
+<p:sld xmlns:a="http://schemas.openxmlformats.org/drawingml/2006/main" xmlns:r="http://schemas.openxmlformats.org/officeDocument/2006/relationships" xmlns:p="http://schemas.openxmlformats.org/presentationml/2006/main">
+  <p:cSld>
+    <p:spTree>
+      <p:nvGrpSpPr>
+        <p:cNvPr id="1" name=""/>
+        <p:cNvGrpSpPr/>
+        <p:nvPr/>
+      </p:nvGrpSpPr>
+      <p:grpSpPr>
+        <a:xfrm>
+          <a:off x="0" y="0"/>
+          <a:ext cx="0" cy="0"/>
+          <a:chOff x="0" y="0"/>
+          <a:chExt cx="0" cy="0"/>
+        </a:xfrm>
+      </p:grpSpPr>
+      <p:sp>
+        <p:nvSpPr>
+          <p:cNvPr id="2" name="제목 1"/>
+          <p:cNvSpPr>
+            <a:spLocks noGrp="1"/>
+          </p:cNvSpPr>
+          <p:nvPr>
+            <p:ph type="title"/>
+          </p:nvPr>
+        </p:nvSpPr>
+        <p:spPr/>
+        <p:txBody>
+          <a:bodyPr/>
+          <a:lstStyle/>
+          <a:p>
+            <a:r>
+              <a:rPr lang="en-US" altLang="ko-KR" dirty="0"/>
+              <a:t>7.1</a:t>
+            </a:r>
+            <a:r>
+              <a:rPr lang="ko-KR" altLang="en-US" dirty="0"/>
+              <a:t> 주문 기능 구현</a:t>
+            </a:r>
+          </a:p>
+        </p:txBody>
+      </p:sp>
+      <p:pic>
+        <p:nvPicPr>
+          <p:cNvPr id="4" name="그림 3">
+            <a:extLst>
+              <a:ext uri="{FF2B5EF4-FFF2-40B4-BE49-F238E27FC236}">
+                <a16:creationId xmlns:a16="http://schemas.microsoft.com/office/drawing/2014/main" id="{C5482FB9-DB69-49D7-9356-F6AA91C0C671}"/>
+              </a:ext>
+            </a:extLst>
+          </p:cNvPr>
+          <p:cNvPicPr>
+            <a:picLocks noChangeAspect="1"/>
+          </p:cNvPicPr>
+          <p:nvPr/>
+        </p:nvPicPr>
+        <p:blipFill>
+          <a:blip r:embed="rId2"/>
+          <a:stretch>
+            <a:fillRect/>
+          </a:stretch>
+        </p:blipFill>
+        <p:spPr>
+          <a:xfrm>
+            <a:off x="467544" y="980728"/>
+            <a:ext cx="5544616" cy="5440141"/>
+          </a:xfrm>
+          <a:prstGeom prst="rect">
+            <a:avLst/>
+          </a:prstGeom>
+        </p:spPr>
+      </p:pic>
+    </p:spTree>
+    <p:extLst>
+      <p:ext uri="{BB962C8B-B14F-4D97-AF65-F5344CB8AC3E}">
+        <p14:creationId xmlns:p14="http://schemas.microsoft.com/office/powerpoint/2010/main" val="1938232875"/>
+      </p:ext>
+    </p:extLst>
+  </p:cSld>
+  <p:clrMapOvr>
+    <a:masterClrMapping/>
+  </p:clrMapOvr>
+</p:sld>
+</file>
+
+<file path=ppt/slides/slide40.xml><?xml version="1.0" encoding="utf-8"?>
 <p:sld xmlns:a="http://schemas.openxmlformats.org/drawingml/2006/main" xmlns:r="http://schemas.openxmlformats.org/officeDocument/2006/relationships" xmlns:p="http://schemas.openxmlformats.org/presentationml/2006/main">
   <p:cSld>
     <p:spTree>
@@ -12162,7 +12075,7 @@
 </p:sld>
 </file>
 
-<file path=ppt/slides/slide42.xml><?xml version="1.0" encoding="utf-8"?>
+<file path=ppt/slides/slide41.xml><?xml version="1.0" encoding="utf-8"?>
 <p:sld xmlns:a="http://schemas.openxmlformats.org/drawingml/2006/main" xmlns:r="http://schemas.openxmlformats.org/officeDocument/2006/relationships" xmlns:p="http://schemas.openxmlformats.org/presentationml/2006/main">
   <p:cSld>
     <p:spTree>
@@ -12248,7 +12161,7 @@
 </p:sld>
 </file>
 
-<file path=ppt/slides/slide43.xml><?xml version="1.0" encoding="utf-8"?>
+<file path=ppt/slides/slide42.xml><?xml version="1.0" encoding="utf-8"?>
 <p:sld xmlns:a="http://schemas.openxmlformats.org/drawingml/2006/main" xmlns:r="http://schemas.openxmlformats.org/officeDocument/2006/relationships" xmlns:p="http://schemas.openxmlformats.org/presentationml/2006/main">
   <p:cSld>
     <p:spTree>
@@ -12334,7 +12247,7 @@
 </p:sld>
 </file>
 
-<file path=ppt/slides/slide44.xml><?xml version="1.0" encoding="utf-8"?>
+<file path=ppt/slides/slide43.xml><?xml version="1.0" encoding="utf-8"?>
 <p:sld xmlns:a="http://schemas.openxmlformats.org/drawingml/2006/main" xmlns:r="http://schemas.openxmlformats.org/officeDocument/2006/relationships" xmlns:p="http://schemas.openxmlformats.org/presentationml/2006/main">
   <p:cSld>
     <p:spTree>
@@ -12420,7 +12333,7 @@
 </p:sld>
 </file>
 
-<file path=ppt/slides/slide45.xml><?xml version="1.0" encoding="utf-8"?>
+<file path=ppt/slides/slide44.xml><?xml version="1.0" encoding="utf-8"?>
 <p:sld xmlns:a="http://schemas.openxmlformats.org/drawingml/2006/main" xmlns:r="http://schemas.openxmlformats.org/officeDocument/2006/relationships" xmlns:p="http://schemas.openxmlformats.org/presentationml/2006/main">
   <p:cSld>
     <p:spTree>
@@ -12708,7 +12621,7 @@
 </p:sld>
 </file>
 
-<file path=ppt/slides/slide46.xml><?xml version="1.0" encoding="utf-8"?>
+<file path=ppt/slides/slide45.xml><?xml version="1.0" encoding="utf-8"?>
 <p:sld xmlns:a="http://schemas.openxmlformats.org/drawingml/2006/main" xmlns:r="http://schemas.openxmlformats.org/officeDocument/2006/relationships" xmlns:p="http://schemas.openxmlformats.org/presentationml/2006/main">
   <p:cSld>
     <p:spTree>
@@ -12794,7 +12707,7 @@
 </p:sld>
 </file>
 
-<file path=ppt/slides/slide47.xml><?xml version="1.0" encoding="utf-8"?>
+<file path=ppt/slides/slide46.xml><?xml version="1.0" encoding="utf-8"?>
 <p:sld xmlns:a="http://schemas.openxmlformats.org/drawingml/2006/main" xmlns:r="http://schemas.openxmlformats.org/officeDocument/2006/relationships" xmlns:p="http://schemas.openxmlformats.org/presentationml/2006/main">
   <p:cSld>
     <p:spTree>
@@ -13089,7 +13002,7 @@
 </p:sld>
 </file>
 
-<file path=ppt/slides/slide48.xml><?xml version="1.0" encoding="utf-8"?>
+<file path=ppt/slides/slide47.xml><?xml version="1.0" encoding="utf-8"?>
 <p:sld xmlns:a="http://schemas.openxmlformats.org/drawingml/2006/main" xmlns:r="http://schemas.openxmlformats.org/officeDocument/2006/relationships" xmlns:p="http://schemas.openxmlformats.org/presentationml/2006/main">
   <p:cSld>
     <p:spTree>
@@ -13175,7 +13088,7 @@
 </p:sld>
 </file>
 
-<file path=ppt/slides/slide49.xml><?xml version="1.0" encoding="utf-8"?>
+<file path=ppt/slides/slide48.xml><?xml version="1.0" encoding="utf-8"?>
 <p:sld xmlns:a="http://schemas.openxmlformats.org/drawingml/2006/main" xmlns:r="http://schemas.openxmlformats.org/officeDocument/2006/relationships" xmlns:p="http://schemas.openxmlformats.org/presentationml/2006/main">
   <p:cSld>
     <p:spTree>
@@ -13571,359 +13484,6 @@
 </file>
 
 <file path=ppt/slides/slide5.xml><?xml version="1.0" encoding="utf-8"?>
-<p:sld xmlns:a="http://schemas.openxmlformats.org/drawingml/2006/main" xmlns:r="http://schemas.openxmlformats.org/officeDocument/2006/relationships" xmlns:p="http://schemas.openxmlformats.org/presentationml/2006/main">
-  <p:cSld>
-    <p:spTree>
-      <p:nvGrpSpPr>
-        <p:cNvPr id="1" name=""/>
-        <p:cNvGrpSpPr/>
-        <p:nvPr/>
-      </p:nvGrpSpPr>
-      <p:grpSpPr>
-        <a:xfrm>
-          <a:off x="0" y="0"/>
-          <a:ext cx="0" cy="0"/>
-          <a:chOff x="0" y="0"/>
-          <a:chExt cx="0" cy="0"/>
-        </a:xfrm>
-      </p:grpSpPr>
-      <p:sp>
-        <p:nvSpPr>
-          <p:cNvPr id="2" name="제목 1"/>
-          <p:cNvSpPr>
-            <a:spLocks noGrp="1"/>
-          </p:cNvSpPr>
-          <p:nvPr>
-            <p:ph type="title"/>
-          </p:nvPr>
-        </p:nvSpPr>
-        <p:spPr/>
-        <p:txBody>
-          <a:bodyPr/>
-          <a:lstStyle/>
-          <a:p>
-            <a:r>
-              <a:rPr lang="en-US" altLang="ko-KR" dirty="0"/>
-              <a:t>7.1</a:t>
-            </a:r>
-            <a:r>
-              <a:rPr lang="ko-KR" altLang="en-US" dirty="0"/>
-              <a:t> 주문 기능 구현</a:t>
-            </a:r>
-          </a:p>
-        </p:txBody>
-      </p:sp>
-      <p:sp>
-        <p:nvSpPr>
-          <p:cNvPr id="5" name="내용 개체 틀 2">
-            <a:extLst>
-              <a:ext uri="{FF2B5EF4-FFF2-40B4-BE49-F238E27FC236}">
-                <a16:creationId xmlns:a16="http://schemas.microsoft.com/office/drawing/2014/main" id="{20C391A1-3BC6-43C9-A660-970BE14C6A74}"/>
-              </a:ext>
-            </a:extLst>
-          </p:cNvPr>
-          <p:cNvSpPr txBox="1">
-            <a:spLocks/>
-          </p:cNvSpPr>
-          <p:nvPr/>
-        </p:nvSpPr>
-        <p:spPr>
-          <a:xfrm>
-            <a:off x="484989" y="1124744"/>
-            <a:ext cx="8229600" cy="1656184"/>
-          </a:xfrm>
-          <a:prstGeom prst="rect">
-            <a:avLst/>
-          </a:prstGeom>
-        </p:spPr>
-        <p:txBody>
-          <a:bodyPr vert="horz" lIns="91440" tIns="45720" rIns="91440" bIns="45720" rtlCol="0">
-            <a:normAutofit/>
-          </a:bodyPr>
-          <a:lstStyle>
-            <a:lvl1pPr marL="342900" indent="-342900" algn="l" defTabSz="914400" rtl="0" eaLnBrk="1" latinLnBrk="1" hangingPunct="1">
-              <a:lnSpc>
-                <a:spcPct val="150000"/>
-              </a:lnSpc>
-              <a:spcBef>
-                <a:spcPct val="20000"/>
-              </a:spcBef>
-              <a:buFont typeface="Arial" pitchFamily="34" charset="0"/>
-              <a:buChar char="•"/>
-              <a:defRPr sz="1400" kern="1200">
-                <a:solidFill>
-                  <a:schemeClr val="tx1"/>
-                </a:solidFill>
-                <a:latin typeface="+mn-lt"/>
-                <a:ea typeface="+mn-ea"/>
-                <a:cs typeface="+mn-cs"/>
-              </a:defRPr>
-            </a:lvl1pPr>
-            <a:lvl2pPr marL="742950" indent="-285750" algn="l" defTabSz="914400" rtl="0" eaLnBrk="1" latinLnBrk="1" hangingPunct="1">
-              <a:lnSpc>
-                <a:spcPct val="150000"/>
-              </a:lnSpc>
-              <a:spcBef>
-                <a:spcPct val="20000"/>
-              </a:spcBef>
-              <a:buFont typeface="Arial" pitchFamily="34" charset="0"/>
-              <a:buChar char="–"/>
-              <a:defRPr sz="1200" kern="1200">
-                <a:solidFill>
-                  <a:schemeClr val="tx1"/>
-                </a:solidFill>
-                <a:latin typeface="+mn-lt"/>
-                <a:ea typeface="+mn-ea"/>
-                <a:cs typeface="+mn-cs"/>
-              </a:defRPr>
-            </a:lvl2pPr>
-            <a:lvl3pPr marL="1143000" indent="-228600" algn="l" defTabSz="914400" rtl="0" eaLnBrk="1" latinLnBrk="1" hangingPunct="1">
-              <a:lnSpc>
-                <a:spcPct val="150000"/>
-              </a:lnSpc>
-              <a:spcBef>
-                <a:spcPct val="20000"/>
-              </a:spcBef>
-              <a:buFont typeface="Arial" pitchFamily="34" charset="0"/>
-              <a:buChar char="•"/>
-              <a:defRPr sz="1100" kern="1200">
-                <a:solidFill>
-                  <a:schemeClr val="tx1"/>
-                </a:solidFill>
-                <a:latin typeface="+mn-lt"/>
-                <a:ea typeface="+mn-ea"/>
-                <a:cs typeface="+mn-cs"/>
-              </a:defRPr>
-            </a:lvl3pPr>
-            <a:lvl4pPr marL="1600200" indent="-228600" algn="l" defTabSz="914400" rtl="0" eaLnBrk="1" latinLnBrk="1" hangingPunct="1">
-              <a:lnSpc>
-                <a:spcPct val="150000"/>
-              </a:lnSpc>
-              <a:spcBef>
-                <a:spcPct val="20000"/>
-              </a:spcBef>
-              <a:buFont typeface="Arial" pitchFamily="34" charset="0"/>
-              <a:buChar char="–"/>
-              <a:defRPr sz="1050" kern="1200">
-                <a:solidFill>
-                  <a:schemeClr val="tx1"/>
-                </a:solidFill>
-                <a:latin typeface="+mn-lt"/>
-                <a:ea typeface="+mn-ea"/>
-                <a:cs typeface="+mn-cs"/>
-              </a:defRPr>
-            </a:lvl4pPr>
-            <a:lvl5pPr marL="2057400" indent="-228600" algn="l" defTabSz="914400" rtl="0" eaLnBrk="1" latinLnBrk="1" hangingPunct="1">
-              <a:lnSpc>
-                <a:spcPct val="150000"/>
-              </a:lnSpc>
-              <a:spcBef>
-                <a:spcPct val="20000"/>
-              </a:spcBef>
-              <a:buFont typeface="Arial" pitchFamily="34" charset="0"/>
-              <a:buChar char="»"/>
-              <a:defRPr sz="1050" kern="1200">
-                <a:solidFill>
-                  <a:schemeClr val="tx1"/>
-                </a:solidFill>
-                <a:latin typeface="+mn-lt"/>
-                <a:ea typeface="+mn-ea"/>
-                <a:cs typeface="+mn-cs"/>
-              </a:defRPr>
-            </a:lvl5pPr>
-            <a:lvl6pPr marL="2514600" indent="-228600" algn="l" defTabSz="914400" rtl="0" eaLnBrk="1" latinLnBrk="1" hangingPunct="1">
-              <a:spcBef>
-                <a:spcPct val="20000"/>
-              </a:spcBef>
-              <a:buFont typeface="Arial" pitchFamily="34" charset="0"/>
-              <a:buChar char="•"/>
-              <a:defRPr sz="2000" kern="1200">
-                <a:solidFill>
-                  <a:schemeClr val="tx1"/>
-                </a:solidFill>
-                <a:latin typeface="+mn-lt"/>
-                <a:ea typeface="+mn-ea"/>
-                <a:cs typeface="+mn-cs"/>
-              </a:defRPr>
-            </a:lvl6pPr>
-            <a:lvl7pPr marL="2971800" indent="-228600" algn="l" defTabSz="914400" rtl="0" eaLnBrk="1" latinLnBrk="1" hangingPunct="1">
-              <a:spcBef>
-                <a:spcPct val="20000"/>
-              </a:spcBef>
-              <a:buFont typeface="Arial" pitchFamily="34" charset="0"/>
-              <a:buChar char="•"/>
-              <a:defRPr sz="2000" kern="1200">
-                <a:solidFill>
-                  <a:schemeClr val="tx1"/>
-                </a:solidFill>
-                <a:latin typeface="+mn-lt"/>
-                <a:ea typeface="+mn-ea"/>
-                <a:cs typeface="+mn-cs"/>
-              </a:defRPr>
-            </a:lvl7pPr>
-            <a:lvl8pPr marL="3429000" indent="-228600" algn="l" defTabSz="914400" rtl="0" eaLnBrk="1" latinLnBrk="1" hangingPunct="1">
-              <a:spcBef>
-                <a:spcPct val="20000"/>
-              </a:spcBef>
-              <a:buFont typeface="Arial" pitchFamily="34" charset="0"/>
-              <a:buChar char="•"/>
-              <a:defRPr sz="2000" kern="1200">
-                <a:solidFill>
-                  <a:schemeClr val="tx1"/>
-                </a:solidFill>
-                <a:latin typeface="+mn-lt"/>
-                <a:ea typeface="+mn-ea"/>
-                <a:cs typeface="+mn-cs"/>
-              </a:defRPr>
-            </a:lvl8pPr>
-            <a:lvl9pPr marL="3886200" indent="-228600" algn="l" defTabSz="914400" rtl="0" eaLnBrk="1" latinLnBrk="1" hangingPunct="1">
-              <a:spcBef>
-                <a:spcPct val="20000"/>
-              </a:spcBef>
-              <a:buFont typeface="Arial" pitchFamily="34" charset="0"/>
-              <a:buChar char="•"/>
-              <a:defRPr sz="2000" kern="1200">
-                <a:solidFill>
-                  <a:schemeClr val="tx1"/>
-                </a:solidFill>
-                <a:latin typeface="+mn-lt"/>
-                <a:ea typeface="+mn-ea"/>
-                <a:cs typeface="+mn-cs"/>
-              </a:defRPr>
-            </a:lvl9pPr>
-          </a:lstStyle>
-          <a:p>
-            <a:pPr algn="l"/>
-            <a:r>
-              <a:rPr lang="ko-KR" altLang="en-US" sz="1800" dirty="0">
-                <a:latin typeface="DIN-Bold"/>
-                <a:sym typeface="Wingdings" panose="05000000000000000000" pitchFamily="2" charset="2"/>
-              </a:rPr>
-              <a:t>주문할 상품과 주문 수량을 통해 </a:t>
-            </a:r>
-            <a:r>
-              <a:rPr lang="en-US" altLang="ko-KR" sz="1800" dirty="0" err="1">
-                <a:latin typeface="DIN-Bold"/>
-                <a:sym typeface="Wingdings" panose="05000000000000000000" pitchFamily="2" charset="2"/>
-              </a:rPr>
-              <a:t>OrderItem</a:t>
-            </a:r>
-            <a:r>
-              <a:rPr lang="en-US" altLang="ko-KR" sz="1800" dirty="0">
-                <a:latin typeface="DIN-Bold"/>
-                <a:sym typeface="Wingdings" panose="05000000000000000000" pitchFamily="2" charset="2"/>
-              </a:rPr>
-              <a:t> </a:t>
-            </a:r>
-            <a:r>
-              <a:rPr lang="ko-KR" altLang="en-US" sz="1800" dirty="0">
-                <a:latin typeface="DIN-Bold"/>
-                <a:sym typeface="Wingdings" panose="05000000000000000000" pitchFamily="2" charset="2"/>
-              </a:rPr>
-              <a:t>객체를 만드는 메소드를 작성</a:t>
-            </a:r>
-            <a:endParaRPr lang="en-US" altLang="ko-KR" sz="1800" dirty="0">
-              <a:latin typeface="DIN-Bold"/>
-              <a:sym typeface="Wingdings" panose="05000000000000000000" pitchFamily="2" charset="2"/>
-            </a:endParaRPr>
-          </a:p>
-        </p:txBody>
-      </p:sp>
-      <p:grpSp>
-        <p:nvGrpSpPr>
-          <p:cNvPr id="9" name="그룹 8">
-            <a:extLst>
-              <a:ext uri="{FF2B5EF4-FFF2-40B4-BE49-F238E27FC236}">
-                <a16:creationId xmlns:a16="http://schemas.microsoft.com/office/drawing/2014/main" id="{9E726DEA-508E-41E3-A15D-AB9C4344214C}"/>
-              </a:ext>
-            </a:extLst>
-          </p:cNvPr>
-          <p:cNvGrpSpPr/>
-          <p:nvPr/>
-        </p:nvGrpSpPr>
-        <p:grpSpPr>
-          <a:xfrm>
-            <a:off x="496000" y="1556792"/>
-            <a:ext cx="7676400" cy="7560840"/>
-            <a:chOff x="683568" y="1556792"/>
-            <a:chExt cx="5328592" cy="5141618"/>
-          </a:xfrm>
-        </p:grpSpPr>
-        <p:pic>
-          <p:nvPicPr>
-            <p:cNvPr id="6" name="그림 5">
-              <a:extLst>
-                <a:ext uri="{FF2B5EF4-FFF2-40B4-BE49-F238E27FC236}">
-                  <a16:creationId xmlns:a16="http://schemas.microsoft.com/office/drawing/2014/main" id="{EBF546A9-C8A4-4DD4-B5D2-64CB6C126519}"/>
-                </a:ext>
-              </a:extLst>
-            </p:cNvPr>
-            <p:cNvPicPr>
-              <a:picLocks noChangeAspect="1"/>
-            </p:cNvPicPr>
-            <p:nvPr/>
-          </p:nvPicPr>
-          <p:blipFill>
-            <a:blip r:embed="rId2"/>
-            <a:stretch>
-              <a:fillRect/>
-            </a:stretch>
-          </p:blipFill>
-          <p:spPr>
-            <a:xfrm>
-              <a:off x="683568" y="1556792"/>
-              <a:ext cx="5328592" cy="1907007"/>
-            </a:xfrm>
-            <a:prstGeom prst="rect">
-              <a:avLst/>
-            </a:prstGeom>
-          </p:spPr>
-        </p:pic>
-        <p:pic>
-          <p:nvPicPr>
-            <p:cNvPr id="8" name="그림 7">
-              <a:extLst>
-                <a:ext uri="{FF2B5EF4-FFF2-40B4-BE49-F238E27FC236}">
-                  <a16:creationId xmlns:a16="http://schemas.microsoft.com/office/drawing/2014/main" id="{2B55E3EB-C892-40DF-84AB-1AA2CEC15F38}"/>
-                </a:ext>
-              </a:extLst>
-            </p:cNvPr>
-            <p:cNvPicPr>
-              <a:picLocks noChangeAspect="1"/>
-            </p:cNvPicPr>
-            <p:nvPr/>
-          </p:nvPicPr>
-          <p:blipFill>
-            <a:blip r:embed="rId3"/>
-            <a:stretch>
-              <a:fillRect/>
-            </a:stretch>
-          </p:blipFill>
-          <p:spPr>
-            <a:xfrm>
-              <a:off x="755577" y="3323072"/>
-              <a:ext cx="5184576" cy="3375338"/>
-            </a:xfrm>
-            <a:prstGeom prst="rect">
-              <a:avLst/>
-            </a:prstGeom>
-          </p:spPr>
-        </p:pic>
-      </p:grpSp>
-    </p:spTree>
-    <p:extLst>
-      <p:ext uri="{BB962C8B-B14F-4D97-AF65-F5344CB8AC3E}">
-        <p14:creationId xmlns:p14="http://schemas.microsoft.com/office/powerpoint/2010/main" val="46431773"/>
-      </p:ext>
-    </p:extLst>
-  </p:cSld>
-  <p:clrMapOvr>
-    <a:masterClrMapping/>
-  </p:clrMapOvr>
-</p:sld>
-</file>
-
-<file path=ppt/slides/slide6.xml><?xml version="1.0" encoding="utf-8"?>
 <p:sld xmlns:a="http://schemas.openxmlformats.org/drawingml/2006/main" xmlns:r="http://schemas.openxmlformats.org/officeDocument/2006/relationships" xmlns:p="http://schemas.openxmlformats.org/presentationml/2006/main">
   <p:cSld>
     <p:spTree>
@@ -14276,7 +13836,7 @@
 </p:sld>
 </file>
 
-<file path=ppt/slides/slide7.xml><?xml version="1.0" encoding="utf-8"?>
+<file path=ppt/slides/slide6.xml><?xml version="1.0" encoding="utf-8"?>
 <p:sld xmlns:a="http://schemas.openxmlformats.org/drawingml/2006/main" xmlns:r="http://schemas.openxmlformats.org/officeDocument/2006/relationships" xmlns:p="http://schemas.openxmlformats.org/presentationml/2006/main">
   <p:cSld>
     <p:spTree>
@@ -14615,7 +14175,7 @@
 </p:sld>
 </file>
 
-<file path=ppt/slides/slide8.xml><?xml version="1.0" encoding="utf-8"?>
+<file path=ppt/slides/slide7.xml><?xml version="1.0" encoding="utf-8"?>
 <p:sld xmlns:a="http://schemas.openxmlformats.org/drawingml/2006/main" xmlns:r="http://schemas.openxmlformats.org/officeDocument/2006/relationships" xmlns:p="http://schemas.openxmlformats.org/presentationml/2006/main">
   <p:cSld>
     <p:spTree>
@@ -14701,7 +14261,7 @@
 </p:sld>
 </file>
 
-<file path=ppt/slides/slide9.xml><?xml version="1.0" encoding="utf-8"?>
+<file path=ppt/slides/slide8.xml><?xml version="1.0" encoding="utf-8"?>
 <p:sld xmlns:a="http://schemas.openxmlformats.org/drawingml/2006/main" xmlns:r="http://schemas.openxmlformats.org/officeDocument/2006/relationships" xmlns:p="http://schemas.openxmlformats.org/presentationml/2006/main">
   <p:cSld>
     <p:spTree>
@@ -14829,6 +14389,92 @@
     <p:extLst>
       <p:ext uri="{BB962C8B-B14F-4D97-AF65-F5344CB8AC3E}">
         <p14:creationId xmlns:p14="http://schemas.microsoft.com/office/powerpoint/2010/main" val="754193027"/>
+      </p:ext>
+    </p:extLst>
+  </p:cSld>
+  <p:clrMapOvr>
+    <a:masterClrMapping/>
+  </p:clrMapOvr>
+</p:sld>
+</file>
+
+<file path=ppt/slides/slide9.xml><?xml version="1.0" encoding="utf-8"?>
+<p:sld xmlns:a="http://schemas.openxmlformats.org/drawingml/2006/main" xmlns:r="http://schemas.openxmlformats.org/officeDocument/2006/relationships" xmlns:p="http://schemas.openxmlformats.org/presentationml/2006/main">
+  <p:cSld>
+    <p:spTree>
+      <p:nvGrpSpPr>
+        <p:cNvPr id="1" name=""/>
+        <p:cNvGrpSpPr/>
+        <p:nvPr/>
+      </p:nvGrpSpPr>
+      <p:grpSpPr>
+        <a:xfrm>
+          <a:off x="0" y="0"/>
+          <a:ext cx="0" cy="0"/>
+          <a:chOff x="0" y="0"/>
+          <a:chExt cx="0" cy="0"/>
+        </a:xfrm>
+      </p:grpSpPr>
+      <p:sp>
+        <p:nvSpPr>
+          <p:cNvPr id="2" name="제목 1"/>
+          <p:cNvSpPr>
+            <a:spLocks noGrp="1"/>
+          </p:cNvSpPr>
+          <p:nvPr>
+            <p:ph type="title"/>
+          </p:nvPr>
+        </p:nvSpPr>
+        <p:spPr/>
+        <p:txBody>
+          <a:bodyPr/>
+          <a:lstStyle/>
+          <a:p>
+            <a:r>
+              <a:rPr lang="en-US" altLang="ko-KR" dirty="0"/>
+              <a:t>7.1</a:t>
+            </a:r>
+            <a:r>
+              <a:rPr lang="ko-KR" altLang="en-US" dirty="0"/>
+              <a:t> 주문 기능 구현</a:t>
+            </a:r>
+          </a:p>
+        </p:txBody>
+      </p:sp>
+      <p:pic>
+        <p:nvPicPr>
+          <p:cNvPr id="4" name="그림 3">
+            <a:extLst>
+              <a:ext uri="{FF2B5EF4-FFF2-40B4-BE49-F238E27FC236}">
+                <a16:creationId xmlns:a16="http://schemas.microsoft.com/office/drawing/2014/main" id="{E9D1777C-A7D7-4BE7-B6EF-78DBC1E27873}"/>
+              </a:ext>
+            </a:extLst>
+          </p:cNvPr>
+          <p:cNvPicPr>
+            <a:picLocks noChangeAspect="1"/>
+          </p:cNvPicPr>
+          <p:nvPr/>
+        </p:nvPicPr>
+        <p:blipFill>
+          <a:blip r:embed="rId2"/>
+          <a:stretch>
+            <a:fillRect/>
+          </a:stretch>
+        </p:blipFill>
+        <p:spPr>
+          <a:xfrm>
+            <a:off x="539552" y="1196751"/>
+            <a:ext cx="7992888" cy="7813117"/>
+          </a:xfrm>
+          <a:prstGeom prst="rect">
+            <a:avLst/>
+          </a:prstGeom>
+        </p:spPr>
+      </p:pic>
+    </p:spTree>
+    <p:extLst>
+      <p:ext uri="{BB962C8B-B14F-4D97-AF65-F5344CB8AC3E}">
+        <p14:creationId xmlns:p14="http://schemas.microsoft.com/office/powerpoint/2010/main" val="2555294627"/>
       </p:ext>
     </p:extLst>
   </p:cSld>

--- a/Back/spring/쇼핑몰/쇼핑몰 프로젝트_7장.pptx
+++ b/Back/spring/쇼핑몰/쇼핑몰 프로젝트_7장.pptx
@@ -2562,7 +2562,7 @@
             <a:fld id="{CD7ED4FF-6B0E-42FA-A737-D604B334571E}" type="datetimeFigureOut">
               <a:rPr lang="ko-KR" altLang="en-US" smtClean="0"/>
               <a:pPr/>
-              <a:t>2023-11-29</a:t>
+              <a:t>2023-12-13</a:t>
             </a:fld>
             <a:endParaRPr lang="ko-KR" altLang="en-US"/>
           </a:p>
@@ -3092,7 +3092,7 @@
             <a:fld id="{945CA99F-7021-4A81-BE66-6CA625D4B2D7}" type="datetimeFigureOut">
               <a:rPr lang="ko-KR" altLang="en-US" smtClean="0"/>
               <a:pPr/>
-              <a:t>2023-11-29</a:t>
+              <a:t>2023-12-13</a:t>
             </a:fld>
             <a:endParaRPr lang="ko-KR" altLang="en-US"/>
           </a:p>
@@ -3262,7 +3262,7 @@
             <a:fld id="{945CA99F-7021-4A81-BE66-6CA625D4B2D7}" type="datetimeFigureOut">
               <a:rPr lang="ko-KR" altLang="en-US" smtClean="0"/>
               <a:pPr/>
-              <a:t>2023-11-29</a:t>
+              <a:t>2023-12-13</a:t>
             </a:fld>
             <a:endParaRPr lang="ko-KR" altLang="en-US"/>
           </a:p>
@@ -3442,7 +3442,7 @@
             <a:fld id="{945CA99F-7021-4A81-BE66-6CA625D4B2D7}" type="datetimeFigureOut">
               <a:rPr lang="ko-KR" altLang="en-US" smtClean="0"/>
               <a:pPr/>
-              <a:t>2023-11-29</a:t>
+              <a:t>2023-12-13</a:t>
             </a:fld>
             <a:endParaRPr lang="ko-KR" altLang="en-US"/>
           </a:p>
@@ -4003,7 +4003,7 @@
             <a:fld id="{945CA99F-7021-4A81-BE66-6CA625D4B2D7}" type="datetimeFigureOut">
               <a:rPr lang="ko-KR" altLang="en-US" smtClean="0"/>
               <a:pPr/>
-              <a:t>2023-11-29</a:t>
+              <a:t>2023-12-13</a:t>
             </a:fld>
             <a:endParaRPr lang="ko-KR" altLang="en-US"/>
           </a:p>
@@ -4290,7 +4290,7 @@
             <a:fld id="{945CA99F-7021-4A81-BE66-6CA625D4B2D7}" type="datetimeFigureOut">
               <a:rPr lang="ko-KR" altLang="en-US" smtClean="0"/>
               <a:pPr/>
-              <a:t>2023-11-29</a:t>
+              <a:t>2023-12-13</a:t>
             </a:fld>
             <a:endParaRPr lang="ko-KR" altLang="en-US"/>
           </a:p>
@@ -4711,7 +4711,7 @@
             <a:fld id="{945CA99F-7021-4A81-BE66-6CA625D4B2D7}" type="datetimeFigureOut">
               <a:rPr lang="ko-KR" altLang="en-US" smtClean="0"/>
               <a:pPr/>
-              <a:t>2023-11-29</a:t>
+              <a:t>2023-12-13</a:t>
             </a:fld>
             <a:endParaRPr lang="ko-KR" altLang="en-US"/>
           </a:p>
@@ -4830,7 +4830,7 @@
             <a:fld id="{945CA99F-7021-4A81-BE66-6CA625D4B2D7}" type="datetimeFigureOut">
               <a:rPr lang="ko-KR" altLang="en-US" smtClean="0"/>
               <a:pPr/>
-              <a:t>2023-11-29</a:t>
+              <a:t>2023-12-13</a:t>
             </a:fld>
             <a:endParaRPr lang="ko-KR" altLang="en-US"/>
           </a:p>
@@ -4927,7 +4927,7 @@
             <a:fld id="{945CA99F-7021-4A81-BE66-6CA625D4B2D7}" type="datetimeFigureOut">
               <a:rPr lang="ko-KR" altLang="en-US" smtClean="0"/>
               <a:pPr/>
-              <a:t>2023-11-29</a:t>
+              <a:t>2023-12-13</a:t>
             </a:fld>
             <a:endParaRPr lang="ko-KR" altLang="en-US"/>
           </a:p>
@@ -5204,7 +5204,7 @@
             <a:fld id="{945CA99F-7021-4A81-BE66-6CA625D4B2D7}" type="datetimeFigureOut">
               <a:rPr lang="ko-KR" altLang="en-US" smtClean="0"/>
               <a:pPr/>
-              <a:t>2023-11-29</a:t>
+              <a:t>2023-12-13</a:t>
             </a:fld>
             <a:endParaRPr lang="ko-KR" altLang="en-US"/>
           </a:p>
@@ -5458,7 +5458,7 @@
             <a:fld id="{945CA99F-7021-4A81-BE66-6CA625D4B2D7}" type="datetimeFigureOut">
               <a:rPr lang="ko-KR" altLang="en-US" smtClean="0"/>
               <a:pPr/>
-              <a:t>2023-11-29</a:t>
+              <a:t>2023-12-13</a:t>
             </a:fld>
             <a:endParaRPr lang="ko-KR" altLang="en-US"/>
           </a:p>
@@ -5671,7 +5671,7 @@
             <a:fld id="{945CA99F-7021-4A81-BE66-6CA625D4B2D7}" type="datetimeFigureOut">
               <a:rPr lang="ko-KR" altLang="en-US" smtClean="0"/>
               <a:pPr/>
-              <a:t>2023-11-29</a:t>
+              <a:t>2023-12-13</a:t>
             </a:fld>
             <a:endParaRPr lang="ko-KR" altLang="en-US"/>
           </a:p>
@@ -8523,7 +8523,7 @@
         <p:spPr>
           <a:xfrm>
             <a:off x="683568" y="2221210"/>
-            <a:ext cx="5686425" cy="2647950"/>
+            <a:ext cx="8315235" cy="3872086"/>
           </a:xfrm>
           <a:prstGeom prst="rect">
             <a:avLst/>
